--- a/Website/a20/isaac/Whither redesign.pptx
+++ b/Website/a20/isaac/Whither redesign.pptx
@@ -7,7 +7,8 @@
   <p:sldIdLst>
     <p:sldId id="256" r:id="rId2"/>
     <p:sldId id="257" r:id="rId3"/>
-    <p:sldId id="258" r:id="rId4"/>
+    <p:sldId id="259" r:id="rId4"/>
+    <p:sldId id="258" r:id="rId5"/>
   </p:sldIdLst>
   <p:sldSz cx="12192000" cy="6858000"/>
   <p:notesSz cx="6858000" cy="9144000"/>
@@ -106,6 +107,11 @@
       </a:defRPr>
     </a:lvl9pPr>
   </p:defaultTextStyle>
+  <p:extLst>
+    <p:ext uri="{EFAFB233-063F-42B5-8137-9DF3F51BA10A}">
+      <p15:sldGuideLst xmlns:p15="http://schemas.microsoft.com/office/powerpoint/2012/main"/>
+    </p:ext>
+  </p:extLst>
 </p:presentation>
 </file>
 
@@ -3084,25 +3090,49 @@
         </p:nvSpPr>
         <p:spPr/>
         <p:txBody>
-          <a:bodyPr/>
-          <a:lstStyle/>
-          <a:p>
-            <a:r>
-              <a:rPr lang="en-US" dirty="0" smtClean="0"/>
-              <a:t>“Doing the same thing over and over again expecting different results”</a:t>
-            </a:r>
-          </a:p>
-          <a:p>
-            <a:r>
-              <a:rPr lang="en-US" dirty="0" smtClean="0"/>
-              <a:t>Player keeps moving forward, but cannot catch the goal. They can only go left and right. The game ends when they give up, and they slowly wither away.</a:t>
-            </a:r>
-          </a:p>
-          <a:p>
-            <a:r>
-              <a:rPr lang="en-US" dirty="0" smtClean="0"/>
-              <a:t>“Food” give positive reinforcement, but you still won’t be able to catch the goal</a:t>
-            </a:r>
+          <a:bodyPr>
+            <a:normAutofit/>
+          </a:bodyPr>
+          <a:lstStyle/>
+          <a:p>
+            <a:pPr marL="0" indent="0">
+              <a:buNone/>
+            </a:pPr>
+            <a:endParaRPr lang="en-US" dirty="0" smtClean="0"/>
+          </a:p>
+        </p:txBody>
+      </p:sp>
+      <p:sp>
+        <p:nvSpPr>
+          <p:cNvPr id="4" name="Text Placeholder 3"/>
+          <p:cNvSpPr>
+            <a:spLocks noGrp="1"/>
+          </p:cNvSpPr>
+          <p:nvPr>
+            <p:ph type="body" sz="half" idx="2"/>
+          </p:nvPr>
+        </p:nvSpPr>
+        <p:spPr>
+          <a:xfrm>
+            <a:off x="839788" y="3424237"/>
+            <a:ext cx="3932237" cy="502870"/>
+          </a:xfrm>
+        </p:spPr>
+        <p:txBody>
+          <a:bodyPr>
+            <a:noAutofit/>
+          </a:bodyPr>
+          <a:lstStyle/>
+          <a:p>
+            <a:r>
+              <a:rPr lang="en-US" sz="2400" dirty="0"/>
+              <a:t>“Doing the same thing over and over again expecting different results</a:t>
+            </a:r>
+            <a:r>
+              <a:rPr lang="en-US" sz="2400" dirty="0" smtClean="0"/>
+              <a:t>”</a:t>
+            </a:r>
+            <a:endParaRPr lang="en-US" sz="2400" dirty="0"/>
           </a:p>
         </p:txBody>
       </p:sp>
@@ -3127,6 +3157,121 @@
 </file>
 
 <file path=ppt/slides/slide3.xml><?xml version="1.0" encoding="utf-8"?>
+<p:sld xmlns:a="http://schemas.openxmlformats.org/drawingml/2006/main" xmlns:r="http://schemas.openxmlformats.org/officeDocument/2006/relationships" xmlns:p="http://schemas.openxmlformats.org/presentationml/2006/main">
+  <p:cSld>
+    <p:spTree>
+      <p:nvGrpSpPr>
+        <p:cNvPr id="1" name=""/>
+        <p:cNvGrpSpPr/>
+        <p:nvPr/>
+      </p:nvGrpSpPr>
+      <p:grpSpPr>
+        <a:xfrm>
+          <a:off x="0" y="0"/>
+          <a:ext cx="0" cy="0"/>
+          <a:chOff x="0" y="0"/>
+          <a:chExt cx="0" cy="0"/>
+        </a:xfrm>
+      </p:grpSpPr>
+      <p:sp>
+        <p:nvSpPr>
+          <p:cNvPr id="2" name="Title 1"/>
+          <p:cNvSpPr>
+            <a:spLocks noGrp="1"/>
+          </p:cNvSpPr>
+          <p:nvPr>
+            <p:ph type="title"/>
+          </p:nvPr>
+        </p:nvSpPr>
+        <p:spPr/>
+        <p:txBody>
+          <a:bodyPr/>
+          <a:lstStyle/>
+          <a:p>
+            <a:endParaRPr lang="en-US" dirty="0"/>
+          </a:p>
+        </p:txBody>
+      </p:sp>
+      <p:sp>
+        <p:nvSpPr>
+          <p:cNvPr id="3" name="Content Placeholder 2"/>
+          <p:cNvSpPr>
+            <a:spLocks noGrp="1"/>
+          </p:cNvSpPr>
+          <p:nvPr>
+            <p:ph idx="1"/>
+          </p:nvPr>
+        </p:nvSpPr>
+        <p:spPr/>
+        <p:txBody>
+          <a:bodyPr/>
+          <a:lstStyle/>
+          <a:p>
+            <a:r>
+              <a:rPr lang="en-US" dirty="0"/>
+              <a:t>Player keeps moving forward, but cannot catch the goal. </a:t>
+            </a:r>
+            <a:endParaRPr lang="en-US" dirty="0" smtClean="0"/>
+          </a:p>
+          <a:p>
+            <a:r>
+              <a:rPr lang="en-US" dirty="0" smtClean="0"/>
+              <a:t>They </a:t>
+            </a:r>
+            <a:r>
+              <a:rPr lang="en-US" dirty="0"/>
+              <a:t>can only go left and right</a:t>
+            </a:r>
+            <a:r>
+              <a:rPr lang="en-US" dirty="0" smtClean="0"/>
+              <a:t>.</a:t>
+            </a:r>
+          </a:p>
+          <a:p>
+            <a:r>
+              <a:rPr lang="en-US" dirty="0" smtClean="0"/>
+              <a:t>The </a:t>
+            </a:r>
+            <a:r>
+              <a:rPr lang="en-US" dirty="0"/>
+              <a:t>game ends when they give up, and they slowly wither away.</a:t>
+            </a:r>
+          </a:p>
+          <a:p>
+            <a:r>
+              <a:rPr lang="en-US" dirty="0"/>
+              <a:t>“Food” </a:t>
+            </a:r>
+            <a:r>
+              <a:rPr lang="en-US" smtClean="0"/>
+              <a:t>give player positive </a:t>
+            </a:r>
+            <a:r>
+              <a:rPr lang="en-US" dirty="0"/>
+              <a:t>reinforcement, but you still won’t be able to catch the </a:t>
+            </a:r>
+            <a:r>
+              <a:rPr lang="en-US" dirty="0" smtClean="0"/>
+              <a:t>goal</a:t>
+            </a:r>
+            <a:endParaRPr lang="en-US" dirty="0"/>
+          </a:p>
+        </p:txBody>
+      </p:sp>
+    </p:spTree>
+    <p:extLst>
+      <p:ext uri="{BB962C8B-B14F-4D97-AF65-F5344CB8AC3E}">
+        <p14:creationId xmlns:p14="http://schemas.microsoft.com/office/powerpoint/2010/main" val="1737709897"/>
+      </p:ext>
+    </p:extLst>
+  </p:cSld>
+  <p:clrMapOvr>
+    <a:masterClrMapping/>
+  </p:clrMapOvr>
+</p:sld>
+</file>
+
+<file path=ppt/slides/slide4.xml><?xml version="1.0" encoding="utf-8"?>
 <p:sld xmlns:a="http://schemas.openxmlformats.org/drawingml/2006/main" xmlns:r="http://schemas.openxmlformats.org/officeDocument/2006/relationships" xmlns:p="http://schemas.openxmlformats.org/presentationml/2006/main">
   <p:cSld>
     <p:bg>

--- a/Website/a20/isaac/Whither redesign.pptx
+++ b/Website/a20/isaac/Whither redesign.pptx
@@ -2419,9 +2419,12 @@
 <p:sldMaster xmlns:a="http://schemas.openxmlformats.org/drawingml/2006/main" xmlns:r="http://schemas.openxmlformats.org/officeDocument/2006/relationships" xmlns:p="http://schemas.openxmlformats.org/presentationml/2006/main">
   <p:cSld>
     <p:bg>
-      <p:bgRef idx="1001">
-        <a:schemeClr val="bg1"/>
-      </p:bgRef>
+      <p:bgPr>
+        <a:solidFill>
+          <a:srgbClr val="F8F8F2"/>
+        </a:solidFill>
+        <a:effectLst/>
+      </p:bgPr>
     </p:bg>
     <p:spTree>
       <p:nvGrpSpPr>
@@ -3078,30 +3081,35 @@
           </a:p>
         </p:txBody>
       </p:sp>
-      <p:sp>
-        <p:nvSpPr>
-          <p:cNvPr id="3" name="Content Placeholder 2"/>
-          <p:cNvSpPr>
-            <a:spLocks noGrp="1"/>
-          </p:cNvSpPr>
+      <p:pic>
+        <p:nvPicPr>
+          <p:cNvPr id="5" name="Content Placeholder 4"/>
+          <p:cNvPicPr>
+            <a:picLocks noGrp="1" noChangeAspect="1"/>
+          </p:cNvPicPr>
           <p:nvPr>
             <p:ph idx="1"/>
           </p:nvPr>
-        </p:nvSpPr>
-        <p:spPr/>
-        <p:txBody>
-          <a:bodyPr>
-            <a:normAutofit/>
-          </a:bodyPr>
-          <a:lstStyle/>
-          <a:p>
-            <a:pPr marL="0" indent="0">
-              <a:buNone/>
-            </a:pPr>
-            <a:endParaRPr lang="en-US" dirty="0" smtClean="0"/>
-          </a:p>
-        </p:txBody>
-      </p:sp>
+        </p:nvPicPr>
+        <p:blipFill>
+          <a:blip r:embed="rId2">
+            <a:extLst>
+              <a:ext uri="{28A0092B-C50C-407E-A947-70E740481C1C}">
+                <a14:useLocalDpi xmlns:a14="http://schemas.microsoft.com/office/drawing/2010/main" val="0"/>
+              </a:ext>
+            </a:extLst>
+          </a:blip>
+          <a:stretch>
+            <a:fillRect/>
+          </a:stretch>
+        </p:blipFill>
+        <p:spPr>
+          <a:xfrm>
+            <a:off x="6745288" y="1900237"/>
+            <a:ext cx="3048000" cy="3048000"/>
+          </a:xfrm>
+        </p:spPr>
+      </p:pic>
       <p:sp>
         <p:nvSpPr>
           <p:cNvPr id="4" name="Text Placeholder 3"/>
@@ -3274,14 +3282,6 @@
 <file path=ppt/slides/slide4.xml><?xml version="1.0" encoding="utf-8"?>
 <p:sld xmlns:a="http://schemas.openxmlformats.org/drawingml/2006/main" xmlns:r="http://schemas.openxmlformats.org/officeDocument/2006/relationships" xmlns:p="http://schemas.openxmlformats.org/presentationml/2006/main">
   <p:cSld>
-    <p:bg>
-      <p:bgPr>
-        <a:solidFill>
-          <a:srgbClr val="FFFFFF"/>
-        </a:solidFill>
-        <a:effectLst/>
-      </p:bgPr>
-    </p:bg>
     <p:spTree>
       <p:nvGrpSpPr>
         <p:cNvPr id="1" name=""/>
@@ -3317,7 +3317,7 @@
       </p:sp>
       <p:pic>
         <p:nvPicPr>
-          <p:cNvPr id="4" name="why am i doing this">
+          <p:cNvPr id="5" name="why am i doing this - no more parties in la">
             <a:hlinkClick r:id="" action="ppaction://media"/>
           </p:cNvPr>
           <p:cNvPicPr>
@@ -3341,7 +3341,7 @@
         </p:blipFill>
         <p:spPr>
           <a:xfrm>
-            <a:off x="3920331" y="1835067"/>
+            <a:off x="3921125" y="1825625"/>
             <a:ext cx="4351338" cy="4351338"/>
           </a:xfrm>
         </p:spPr>
@@ -3366,7 +3366,7 @@
                 <p:stCondLst>
                   <p:cond evt="onClick" delay="0">
                     <p:tgtEl>
-                      <p:spTgt spid="4"/>
+                      <p:spTgt spid="5"/>
                     </p:tgtEl>
                   </p:cond>
                 </p:stCondLst>
@@ -3396,7 +3396,7 @@
                                       <p:cBhvr>
                                         <p:cTn id="6" dur="1" fill="hold"/>
                                         <p:tgtEl>
-                                          <p:spTgt spid="4"/>
+                                          <p:spTgt spid="5"/>
                                         </p:tgtEl>
                                       </p:cBhvr>
                                     </p:cmd>
@@ -3414,7 +3414,7 @@
               <p:nextCondLst>
                 <p:cond evt="onClick" delay="0">
                   <p:tgtEl>
-                    <p:spTgt spid="4"/>
+                    <p:spTgt spid="5"/>
                   </p:tgtEl>
                 </p:cond>
               </p:nextCondLst>
@@ -3427,7 +3427,7 @@
                   </p:stCondLst>
                 </p:cTn>
                 <p:tgtEl>
-                  <p:spTgt spid="4"/>
+                  <p:spTgt spid="5"/>
                 </p:tgtEl>
               </p:cMediaNode>
             </p:video>
